--- a/Documentation/Group6_Phase2/final_presentation.pptx
+++ b/Documentation/Group6_Phase2/final_presentation.pptx
@@ -820,7 +820,15 @@
             </a:r>
             <a:r>
               <a:rPr lang="en-US" baseline="0" dirty="0" smtClean="0"/>
-              <a:t> that we chose was a visualization. We chose to do a webpage that was written using Jade Markup Language and CSS. This was chosen because it was a familiar language with members of the group, and there would not need to be a new language to learn. The  visualization has great support, and has a map that we were able to use. The map is a map of the united states/Canada since this is the information that is contained in the dataset that we have. </a:t>
+              <a:t> that we chose was a visualization. We chose to do a webpage that was written using Jade Markup Language and CSS. This was chosen because it was a familiar language with members of the group, and there would not need to be a new language to learn. </a:t>
+            </a:r>
+            <a:r>
+              <a:rPr lang="en-US" baseline="0" dirty="0" smtClean="0"/>
+              <a:t>The </a:t>
+            </a:r>
+            <a:r>
+              <a:rPr lang="en-US" baseline="0" dirty="0" smtClean="0"/>
+              <a:t>visualization has great support, and has a map that we were able to use. The map is a map of the united states/Canada since this is the information that is contained in the dataset that we have. </a:t>
             </a:r>
           </a:p>
           <a:p>
@@ -1399,15 +1407,19 @@
           <a:p>
             <a:r>
               <a:rPr lang="en-US" baseline="0" dirty="0" smtClean="0"/>
-              <a:t>Another change to the dataset we made was with Prince Edward Island, Greenland/Denmark, and St. Pierre Miquelon. This information was removed from our database because our map did not include these regions, which are not part of the United States/Canada. We figured that since the map we wanted was only US and Canada, there was no need to include any regions outside of that. So, </a:t>
-            </a:r>
-            <a:r>
-              <a:rPr lang="en-US" baseline="0" dirty="0" err="1" smtClean="0"/>
-              <a:t>ew</a:t>
+              <a:t>Another change to the dataset we made was with Prince Edward Island, Greenland/Denmark, and St. Pierre Miquelon. This information was removed from our database because our map did not include these regions, which are not part of the United States/Canada. We figured that since the map we wanted was only US and Canada, there was no need to include any regions outside of that. So</a:t>
+            </a:r>
+            <a:r>
+              <a:rPr lang="en-US" baseline="0" smtClean="0"/>
+              <a:t>, </a:t>
+            </a:r>
+            <a:r>
+              <a:rPr lang="en-US" baseline="0" smtClean="0"/>
+              <a:t>we </a:t>
             </a:r>
             <a:r>
               <a:rPr lang="en-US" baseline="0" dirty="0" smtClean="0"/>
-              <a:t> simple removed that information from the dataset. </a:t>
+              <a:t>simple removed that information from the dataset. </a:t>
             </a:r>
             <a:endParaRPr lang="en-US" dirty="0"/>
           </a:p>
@@ -7250,6 +7262,13 @@
   <p:clrMapOvr>
     <a:masterClrMapping/>
   </p:clrMapOvr>
+  <p:timing>
+    <p:tnLst>
+      <p:par>
+        <p:cTn id="1" dur="indefinite" restart="never" nodeType="tmRoot"/>
+      </p:par>
+    </p:tnLst>
+  </p:timing>
 </p:sld>
 </file>
 
@@ -7358,7 +7377,15 @@
             <a:pPr lvl="1"/>
             <a:r>
               <a:rPr lang="en-US" dirty="0" smtClean="0"/>
-              <a:t>2 places in database 1 place on the map</a:t>
+              <a:t>2 places in </a:t>
+            </a:r>
+            <a:r>
+              <a:rPr lang="en-US" dirty="0" smtClean="0"/>
+              <a:t>database, </a:t>
+            </a:r>
+            <a:r>
+              <a:rPr lang="en-US" dirty="0" smtClean="0"/>
+              <a:t>1 place on the map</a:t>
             </a:r>
           </a:p>
           <a:p>
@@ -7385,14 +7412,27 @@
             <a:pPr lvl="1"/>
             <a:r>
               <a:rPr lang="en-US" dirty="0" smtClean="0"/>
-              <a:t>Not in Canada/United States</a:t>
-            </a:r>
+              <a:t>Not in </a:t>
+            </a:r>
+            <a:r>
+              <a:rPr lang="en-US" dirty="0" smtClean="0"/>
+              <a:t>ArcGIS map that was used</a:t>
+            </a:r>
+            <a:endParaRPr lang="en-US" dirty="0" smtClean="0"/>
           </a:p>
           <a:p>
             <a:pPr lvl="1"/>
             <a:r>
               <a:rPr lang="en-US" dirty="0" smtClean="0"/>
-              <a:t>Were removed “outside scope of project”</a:t>
+              <a:t>Were </a:t>
+            </a:r>
+            <a:r>
+              <a:rPr lang="en-US" dirty="0" smtClean="0"/>
+              <a:t>removed, “</a:t>
+            </a:r>
+            <a:r>
+              <a:rPr lang="en-US" dirty="0" smtClean="0"/>
+              <a:t>outside scope of project”</a:t>
             </a:r>
           </a:p>
         </p:txBody>
@@ -7407,6 +7447,13 @@
   <p:clrMapOvr>
     <a:masterClrMapping/>
   </p:clrMapOvr>
+  <p:timing>
+    <p:tnLst>
+      <p:par>
+        <p:cTn id="1" dur="indefinite" restart="never" nodeType="tmRoot"/>
+      </p:par>
+    </p:tnLst>
+  </p:timing>
 </p:sld>
 </file>
 
@@ -7552,6 +7599,13 @@
   <p:clrMapOvr>
     <a:masterClrMapping/>
   </p:clrMapOvr>
+  <p:timing>
+    <p:tnLst>
+      <p:par>
+        <p:cTn id="1" dur="indefinite" restart="never" nodeType="tmRoot"/>
+      </p:par>
+    </p:tnLst>
+  </p:timing>
 </p:sld>
 </file>
 
@@ -7693,6 +7747,13 @@
   <p:clrMapOvr>
     <a:masterClrMapping/>
   </p:clrMapOvr>
+  <p:timing>
+    <p:tnLst>
+      <p:par>
+        <p:cTn id="1" dur="indefinite" restart="never" nodeType="tmRoot"/>
+      </p:par>
+    </p:tnLst>
+  </p:timing>
 </p:sld>
 </file>
 
@@ -7759,7 +7820,15 @@
           <a:p>
             <a:r>
               <a:rPr lang="en-US" dirty="0" smtClean="0"/>
-              <a:t>Maps Plants to locations in United States/Canada</a:t>
+              <a:t>Maps </a:t>
+            </a:r>
+            <a:r>
+              <a:rPr lang="en-US" dirty="0" smtClean="0"/>
+              <a:t>plants </a:t>
+            </a:r>
+            <a:r>
+              <a:rPr lang="en-US" dirty="0" smtClean="0"/>
+              <a:t>to locations in United States/Canada</a:t>
             </a:r>
           </a:p>
           <a:p>
@@ -7859,6 +7928,13 @@
   <p:clrMapOvr>
     <a:masterClrMapping/>
   </p:clrMapOvr>
+  <p:timing>
+    <p:tnLst>
+      <p:par>
+        <p:cTn id="1" dur="indefinite" restart="never" nodeType="tmRoot"/>
+      </p:par>
+    </p:tnLst>
+  </p:timing>
 </p:sld>
 </file>
 
@@ -8014,6 +8090,13 @@
   <p:clrMapOvr>
     <a:masterClrMapping/>
   </p:clrMapOvr>
+  <p:timing>
+    <p:tnLst>
+      <p:par>
+        <p:cTn id="1" dur="indefinite" restart="never" nodeType="tmRoot"/>
+      </p:par>
+    </p:tnLst>
+  </p:timing>
 </p:sld>
 </file>
 
@@ -8078,38 +8161,43 @@
           <a:lstStyle/>
           <a:p>
             <a:r>
-              <a:rPr lang="en-US" smtClean="0"/>
+              <a:rPr lang="en-US" dirty="0" smtClean="0"/>
               <a:t>Created webpage visualization</a:t>
             </a:r>
           </a:p>
           <a:p>
             <a:r>
-              <a:rPr lang="en-US" smtClean="0"/>
+              <a:rPr lang="en-US" dirty="0" smtClean="0"/>
               <a:t>Written in Jade Markup Language with CSS</a:t>
             </a:r>
           </a:p>
           <a:p>
             <a:pPr lvl="1"/>
             <a:r>
-              <a:rPr lang="en-US" smtClean="0"/>
+              <a:rPr lang="en-US" dirty="0" smtClean="0"/>
               <a:t>Familiar language for the group</a:t>
             </a:r>
           </a:p>
           <a:p>
             <a:r>
-              <a:rPr lang="en-US" smtClean="0"/>
+              <a:rPr lang="en-US" dirty="0" smtClean="0"/>
               <a:t>Map of United States/Canada</a:t>
             </a:r>
           </a:p>
           <a:p>
             <a:r>
-              <a:rPr lang="en-US" smtClean="0"/>
-              <a:t>Search and sub-searching</a:t>
-            </a:r>
-          </a:p>
-          <a:p>
-            <a:r>
-              <a:rPr lang="en-US" smtClean="0"/>
+              <a:rPr lang="en-US" dirty="0" smtClean="0"/>
+              <a:t>Search and </a:t>
+            </a:r>
+            <a:r>
+              <a:rPr lang="en-US" dirty="0" smtClean="0"/>
+              <a:t>substring-searching</a:t>
+            </a:r>
+            <a:endParaRPr lang="en-US" dirty="0" smtClean="0"/>
+          </a:p>
+          <a:p>
+            <a:r>
+              <a:rPr lang="en-US" dirty="0" smtClean="0"/>
               <a:t>Display information</a:t>
             </a:r>
             <a:endParaRPr lang="en-US" dirty="0"/>
@@ -8167,6 +8255,13 @@
   <p:clrMapOvr>
     <a:masterClrMapping/>
   </p:clrMapOvr>
+  <p:timing>
+    <p:tnLst>
+      <p:par>
+        <p:cTn id="1" dur="indefinite" restart="never" nodeType="tmRoot"/>
+      </p:par>
+    </p:tnLst>
+  </p:timing>
 </p:sld>
 </file>
 
@@ -8266,6 +8361,13 @@
   <p:clrMapOvr>
     <a:masterClrMapping/>
   </p:clrMapOvr>
+  <p:timing>
+    <p:tnLst>
+      <p:par>
+        <p:cTn id="1" dur="indefinite" restart="never" nodeType="tmRoot"/>
+      </p:par>
+    </p:tnLst>
+  </p:timing>
 </p:sld>
 </file>
 
@@ -8365,6 +8467,13 @@
   <p:clrMapOvr>
     <a:masterClrMapping/>
   </p:clrMapOvr>
+  <p:timing>
+    <p:tnLst>
+      <p:par>
+        <p:cTn id="1" dur="indefinite" restart="never" nodeType="tmRoot"/>
+      </p:par>
+    </p:tnLst>
+  </p:timing>
 </p:sld>
 </file>
 
@@ -8464,6 +8573,13 @@
   <p:clrMapOvr>
     <a:masterClrMapping/>
   </p:clrMapOvr>
+  <p:timing>
+    <p:tnLst>
+      <p:par>
+        <p:cTn id="1" dur="indefinite" restart="never" nodeType="tmRoot"/>
+      </p:par>
+    </p:tnLst>
+  </p:timing>
 </p:sld>
 </file>
 
@@ -8563,6 +8679,13 @@
   <p:clrMapOvr>
     <a:masterClrMapping/>
   </p:clrMapOvr>
+  <p:timing>
+    <p:tnLst>
+      <p:par>
+        <p:cTn id="1" dur="indefinite" restart="never" nodeType="tmRoot"/>
+      </p:par>
+    </p:tnLst>
+  </p:timing>
 </p:sld>
 </file>
 
@@ -8628,7 +8751,11 @@
           <a:p>
             <a:r>
               <a:rPr lang="en-US" dirty="0" smtClean="0"/>
-              <a:t>MySQL database</a:t>
+              <a:t>Node MySQL </a:t>
+            </a:r>
+            <a:r>
+              <a:rPr lang="en-US" dirty="0" smtClean="0"/>
+              <a:t>database</a:t>
             </a:r>
           </a:p>
           <a:p>
@@ -8708,6 +8835,13 @@
   <p:clrMapOvr>
     <a:masterClrMapping/>
   </p:clrMapOvr>
+  <p:timing>
+    <p:tnLst>
+      <p:par>
+        <p:cTn id="1" dur="indefinite" restart="never" nodeType="tmRoot"/>
+      </p:par>
+    </p:tnLst>
+  </p:timing>
 </p:sld>
 </file>
 
